--- a/Slides/Sharda_11e_full_accessible_ppt_03.pptx
+++ b/Slides/Sharda_11e_full_accessible_ppt_03.pptx
@@ -312,7 +312,7 @@
           <a:p>
             <a:fld id="{8D8D874E-E9D5-433B-A149-BDF6BFDD40A8}" type="datetimeFigureOut">
               <a:rPr lang="en-US" smtClean="0"/>
-              <a:t>9/13/21</a:t>
+              <a:t>10/3/21</a:t>
             </a:fld>
             <a:endParaRPr lang="en-US" dirty="0"/>
           </a:p>
@@ -477,7 +477,7 @@
           <a:p>
             <a:fld id="{EA051F04-9E25-42C3-8BC5-EC2E8469D95E}" type="datetimeFigureOut">
               <a:rPr lang="en-US" smtClean="0"/>
-              <a:t>9/13/21</a:t>
+              <a:t>10/3/21</a:t>
             </a:fld>
             <a:endParaRPr lang="en-US" dirty="0"/>
           </a:p>
@@ -5491,7 +5491,7 @@
           <a:p>
             <a:fld id="{A9DF6EFB-3F44-496C-A842-1E0B3D3B975A}" type="datetimeFigureOut">
               <a:rPr lang="en-US" smtClean="0"/>
-              <a:t>9/13/21</a:t>
+              <a:t>10/3/21</a:t>
             </a:fld>
             <a:endParaRPr lang="en-US" dirty="0"/>
           </a:p>
@@ -5865,7 +5865,7 @@
           <a:p>
             <a:fld id="{A9DF6EFB-3F44-496C-A842-1E0B3D3B975A}" type="datetimeFigureOut">
               <a:rPr lang="en-US" smtClean="0"/>
-              <a:t>9/13/21</a:t>
+              <a:t>10/3/21</a:t>
             </a:fld>
             <a:endParaRPr lang="en-US" dirty="0"/>
           </a:p>
@@ -6212,7 +6212,7 @@
           <a:p>
             <a:fld id="{A9DF6EFB-3F44-496C-A842-1E0B3D3B975A}" type="datetimeFigureOut">
               <a:rPr lang="en-US" smtClean="0"/>
-              <a:t>9/13/21</a:t>
+              <a:t>10/3/21</a:t>
             </a:fld>
             <a:endParaRPr lang="en-US" dirty="0"/>
           </a:p>
@@ -6559,7 +6559,7 @@
           <a:p>
             <a:fld id="{A9DF6EFB-3F44-496C-A842-1E0B3D3B975A}" type="datetimeFigureOut">
               <a:rPr lang="en-US" smtClean="0"/>
-              <a:t>9/13/21</a:t>
+              <a:t>10/3/21</a:t>
             </a:fld>
             <a:endParaRPr lang="en-US" dirty="0"/>
           </a:p>
@@ -6902,7 +6902,7 @@
           <a:p>
             <a:fld id="{A9DF6EFB-3F44-496C-A842-1E0B3D3B975A}" type="datetimeFigureOut">
               <a:rPr lang="en-US" smtClean="0"/>
-              <a:t>9/13/21</a:t>
+              <a:t>10/3/21</a:t>
             </a:fld>
             <a:endParaRPr lang="en-US" dirty="0"/>
           </a:p>
@@ -7024,7 +7024,7 @@
           <a:p>
             <a:fld id="{A9DF6EFB-3F44-496C-A842-1E0B3D3B975A}" type="datetimeFigureOut">
               <a:rPr lang="en-US" smtClean="0"/>
-              <a:t>9/13/21</a:t>
+              <a:t>10/3/21</a:t>
             </a:fld>
             <a:endParaRPr lang="en-US" dirty="0"/>
           </a:p>
@@ -7133,7 +7133,7 @@
             <a:fld id="{A9DF6EFB-3F44-496C-A842-1E0B3D3B975A}" type="datetimeFigureOut">
               <a:rPr lang="en-US" smtClean="0"/>
               <a:pPr/>
-              <a:t>9/13/21</a:t>
+              <a:t>10/3/21</a:t>
             </a:fld>
             <a:endParaRPr lang="en-US" dirty="0"/>
           </a:p>
@@ -8129,7 +8129,7 @@
             <a:fld id="{A9DF6EFB-3F44-496C-A842-1E0B3D3B975A}" type="datetimeFigureOut">
               <a:rPr lang="en-US" smtClean="0"/>
               <a:pPr/>
-              <a:t>9/13/21</a:t>
+              <a:t>10/3/21</a:t>
             </a:fld>
             <a:endParaRPr lang="en-US" dirty="0"/>
           </a:p>
@@ -8518,7 +8518,7 @@
             <a:fld id="{A9DF6EFB-3F44-496C-A842-1E0B3D3B975A}" type="datetimeFigureOut">
               <a:rPr lang="en-US" smtClean="0"/>
               <a:pPr/>
-              <a:t>9/13/21</a:t>
+              <a:t>10/3/21</a:t>
             </a:fld>
             <a:endParaRPr lang="en-US" dirty="0"/>
           </a:p>
@@ -8793,7 +8793,7 @@
             <a:fld id="{A9DF6EFB-3F44-496C-A842-1E0B3D3B975A}" type="datetimeFigureOut">
               <a:rPr lang="en-US" smtClean="0"/>
               <a:pPr/>
-              <a:t>9/13/21</a:t>
+              <a:t>10/3/21</a:t>
             </a:fld>
             <a:endParaRPr lang="en-US" dirty="0"/>
           </a:p>
@@ -9227,7 +9227,7 @@
           <a:p>
             <a:fld id="{A9DF6EFB-3F44-496C-A842-1E0B3D3B975A}" type="datetimeFigureOut">
               <a:rPr lang="en-US" smtClean="0"/>
-              <a:t>9/13/21</a:t>
+              <a:t>10/3/21</a:t>
             </a:fld>
             <a:endParaRPr lang="en-US" dirty="0"/>
           </a:p>
@@ -9463,7 +9463,7 @@
             <a:fld id="{A9DF6EFB-3F44-496C-A842-1E0B3D3B975A}" type="datetimeFigureOut">
               <a:rPr lang="en-US" smtClean="0"/>
               <a:pPr/>
-              <a:t>9/13/21</a:t>
+              <a:t>10/3/21</a:t>
             </a:fld>
             <a:endParaRPr lang="en-US" dirty="0"/>
           </a:p>
@@ -9840,7 +9840,7 @@
           <a:p>
             <a:fld id="{A9DF6EFB-3F44-496C-A842-1E0B3D3B975A}" type="datetimeFigureOut">
               <a:rPr lang="en-US" smtClean="0"/>
-              <a:t>9/13/21</a:t>
+              <a:t>10/3/21</a:t>
             </a:fld>
             <a:endParaRPr lang="en-US" dirty="0"/>
           </a:p>
@@ -10466,7 +10466,7 @@
           <a:p>
             <a:fld id="{A9DF6EFB-3F44-496C-A842-1E0B3D3B975A}" type="datetimeFigureOut">
               <a:rPr lang="en-US" smtClean="0"/>
-              <a:t>9/13/21</a:t>
+              <a:t>10/3/21</a:t>
             </a:fld>
             <a:endParaRPr lang="en-US" dirty="0"/>
           </a:p>
@@ -11596,7 +11596,7 @@
           <a:p>
             <a:fld id="{A9DF6EFB-3F44-496C-A842-1E0B3D3B975A}" type="datetimeFigureOut">
               <a:rPr lang="en-US" smtClean="0"/>
-              <a:t>9/13/21</a:t>
+              <a:t>10/3/21</a:t>
             </a:fld>
             <a:endParaRPr lang="en-US" dirty="0"/>
           </a:p>
@@ -11857,7 +11857,7 @@
             <a:fld id="{A9DF6EFB-3F44-496C-A842-1E0B3D3B975A}" type="datetimeFigureOut">
               <a:rPr lang="en-US" smtClean="0"/>
               <a:pPr/>
-              <a:t>9/13/21</a:t>
+              <a:t>10/3/21</a:t>
             </a:fld>
             <a:endParaRPr lang="en-US" dirty="0"/>
           </a:p>
@@ -14615,7 +14615,7 @@
           <a:graphicData uri="http://schemas.openxmlformats.org/presentationml/2006/ole">
             <mc:AlternateContent xmlns:mc="http://schemas.openxmlformats.org/markup-compatibility/2006">
               <mc:Choice xmlns:v="urn:schemas-microsoft-com:vml" Requires="v">
-                <p:oleObj spid="_x0000_s9816" name="Equation" r:id="rId4" imgW="1282680" imgH="393480" progId="Equation.DSMT4">
+                <p:oleObj spid="_x0000_s9820" name="Equation" r:id="rId4" imgW="1282680" imgH="393480" progId="Equation.DSMT4">
                   <p:embed/>
                 </p:oleObj>
               </mc:Choice>
@@ -14672,7 +14672,7 @@
           <a:graphicData uri="http://schemas.openxmlformats.org/presentationml/2006/ole">
             <mc:AlternateContent xmlns:mc="http://schemas.openxmlformats.org/markup-compatibility/2006">
               <mc:Choice xmlns:v="urn:schemas-microsoft-com:vml" Requires="v">
-                <p:oleObj spid="_x0000_s9817" r:id="rId6" imgW="761760" imgH="469800" progId="">
+                <p:oleObj spid="_x0000_s9821" r:id="rId6" imgW="761760" imgH="469800" progId="">
                   <p:embed/>
                 </p:oleObj>
               </mc:Choice>
@@ -14958,7 +14958,7 @@
           <a:graphicData uri="http://schemas.openxmlformats.org/presentationml/2006/ole">
             <mc:AlternateContent xmlns:mc="http://schemas.openxmlformats.org/markup-compatibility/2006">
               <mc:Choice xmlns:v="urn:schemas-microsoft-com:vml" Requires="v">
-                <p:oleObj spid="_x0000_s10844" name="Equation" r:id="rId4" imgW="1168200" imgH="469800" progId="Equation.DSMT4">
+                <p:oleObj spid="_x0000_s10848" name="Equation" r:id="rId4" imgW="1168200" imgH="469800" progId="Equation.DSMT4">
                   <p:embed/>
                 </p:oleObj>
               </mc:Choice>
@@ -15015,7 +15015,7 @@
           <a:graphicData uri="http://schemas.openxmlformats.org/presentationml/2006/ole">
             <mc:AlternateContent xmlns:mc="http://schemas.openxmlformats.org/markup-compatibility/2006">
               <mc:Choice xmlns:v="urn:schemas-microsoft-com:vml" Requires="v">
-                <p:oleObj spid="_x0000_s10845" name="Equation" r:id="rId6" imgW="1218960" imgH="520560" progId="Equation.DSMT4">
+                <p:oleObj spid="_x0000_s10849" name="Equation" r:id="rId6" imgW="1218960" imgH="520560" progId="Equation.DSMT4">
                   <p:embed/>
                 </p:oleObj>
               </mc:Choice>
@@ -15476,7 +15476,7 @@
           <a:graphicData uri="http://schemas.openxmlformats.org/presentationml/2006/ole">
             <mc:AlternateContent xmlns:mc="http://schemas.openxmlformats.org/markup-compatibility/2006">
               <mc:Choice xmlns:v="urn:schemas-microsoft-com:vml" Requires="v">
-                <p:oleObj spid="_x0000_s13912" name="Equation" r:id="rId4" imgW="1815840" imgH="495000" progId="Equation.DSMT4">
+                <p:oleObj spid="_x0000_s13916" name="Equation" r:id="rId4" imgW="1815840" imgH="495000" progId="Equation.DSMT4">
                   <p:embed/>
                 </p:oleObj>
               </mc:Choice>
@@ -15578,7 +15578,7 @@
           <a:graphicData uri="http://schemas.openxmlformats.org/presentationml/2006/ole">
             <mc:AlternateContent xmlns:mc="http://schemas.openxmlformats.org/markup-compatibility/2006">
               <mc:Choice xmlns:v="urn:schemas-microsoft-com:vml" Requires="v">
-                <p:oleObj spid="_x0000_s13913" r:id="rId6" imgW="2006280" imgH="469800" progId="">
+                <p:oleObj spid="_x0000_s13917" r:id="rId6" imgW="2006280" imgH="469800" progId="">
                   <p:embed/>
                 </p:oleObj>
               </mc:Choice>
@@ -16801,7 +16801,7 @@
           <a:graphicData uri="http://schemas.openxmlformats.org/presentationml/2006/ole">
             <mc:AlternateContent xmlns:mc="http://schemas.openxmlformats.org/markup-compatibility/2006">
               <mc:Choice xmlns:v="urn:schemas-microsoft-com:vml" Requires="v">
-                <p:oleObj spid="_x0000_s14928" name="Equation" r:id="rId4" imgW="672840" imgH="190440" progId="Equation.DSMT4">
+                <p:oleObj spid="_x0000_s14932" name="Equation" r:id="rId4" imgW="672840" imgH="190440" progId="Equation.DSMT4">
                   <p:embed/>
                 </p:oleObj>
               </mc:Choice>
@@ -16887,7 +16887,7 @@
           <a:graphicData uri="http://schemas.openxmlformats.org/presentationml/2006/ole">
             <mc:AlternateContent xmlns:mc="http://schemas.openxmlformats.org/markup-compatibility/2006">
               <mc:Choice xmlns:v="urn:schemas-microsoft-com:vml" Requires="v">
-                <p:oleObj spid="_x0000_s14929" name="Equation" r:id="rId6" imgW="2006280" imgH="190440" progId="Equation.DSMT4">
+                <p:oleObj spid="_x0000_s14933" name="Equation" r:id="rId6" imgW="2006280" imgH="190440" progId="Equation.DSMT4">
                   <p:embed/>
                 </p:oleObj>
               </mc:Choice>
@@ -17297,6 +17297,15 @@
               <a:rPr lang="en-US" sz="2400" dirty="0"/>
               <a:t>Independence</a:t>
             </a:r>
+            <a:r>
+              <a:rPr lang="zh-CN" altLang="en-US" sz="2400" dirty="0"/>
+              <a:t> </a:t>
+            </a:r>
+            <a:r>
+              <a:rPr lang="en" altLang="zh-CN" sz="2400" dirty="0"/>
+              <a:t>(of errors)</a:t>
+            </a:r>
+            <a:endParaRPr lang="en-US" sz="2400" dirty="0"/>
           </a:p>
           <a:p>
             <a:pPr>
@@ -17304,7 +17313,7 @@
             </a:pPr>
             <a:r>
               <a:rPr lang="en-US" sz="2400" dirty="0"/>
-              <a:t>Normality (Normal Distribution)</a:t>
+              <a:t>Normality (of errors) </a:t>
             </a:r>
           </a:p>
           <a:p>
@@ -17315,6 +17324,15 @@
               <a:rPr lang="en-US" sz="2400" dirty="0"/>
               <a:t>Constant Variance</a:t>
             </a:r>
+            <a:r>
+              <a:rPr lang="zh-CN" altLang="en-US" sz="2400" dirty="0"/>
+              <a:t> </a:t>
+            </a:r>
+            <a:r>
+              <a:rPr lang="en" altLang="zh-CN" sz="2400" dirty="0"/>
+              <a:t>(of errors)</a:t>
+            </a:r>
+            <a:endParaRPr lang="en-US" sz="2400" dirty="0"/>
           </a:p>
           <a:p>
             <a:pPr>
@@ -17584,7 +17602,7 @@
           <a:graphicData uri="http://schemas.openxmlformats.org/presentationml/2006/ole">
             <mc:AlternateContent xmlns:mc="http://schemas.openxmlformats.org/markup-compatibility/2006">
               <mc:Choice xmlns:v="urn:schemas-microsoft-com:vml" Requires="v">
-                <p:oleObj spid="_x0000_s16674" name="Equation" r:id="rId4" imgW="1028520" imgH="355320" progId="Equation.DSMT4">
+                <p:oleObj spid="_x0000_s16676" name="Equation" r:id="rId4" imgW="1028520" imgH="355320" progId="Equation.DSMT4">
                   <p:embed/>
                 </p:oleObj>
               </mc:Choice>
@@ -20678,72 +20696,17 @@
       </p:sp>
       <p:sp>
         <p:nvSpPr>
-          <p:cNvPr id="4" name="Content Placeholder 3"/>
-          <p:cNvSpPr>
-            <a:spLocks noGrp="1"/>
-          </p:cNvSpPr>
-          <p:nvPr>
-            <p:ph idx="1"/>
+          <p:cNvPr id="5" name="Content Placeholder 4"/>
+          <p:cNvSpPr>
+            <a:spLocks noGrp="1"/>
+          </p:cNvSpPr>
+          <p:nvPr>
+            <p:ph sz="quarter" idx="14"/>
           </p:nvPr>
         </p:nvSpPr>
         <p:spPr>
           <a:xfrm>
-            <a:off x="457200" y="1132499"/>
-            <a:ext cx="8153400" cy="615553"/>
-          </a:xfrm>
-        </p:spPr>
-        <p:txBody>
-          <a:bodyPr wrap="square">
-            <a:spAutoFit/>
-          </a:bodyPr>
-          <a:lstStyle/>
-          <a:p>
-            <a:r>
-              <a:rPr lang="en-US" sz="2000" dirty="0"/>
-              <a:t>At </a:t>
-            </a:r>
-            <a:r>
-              <a:rPr lang="en-US" sz="2000" dirty="0">
-                <a:hlinkClick r:id="rId3" action="ppaction://hlinkfile" tooltip="teradatauniversitynetwork.com"/>
-              </a:rPr>
-              <a:t>teradatauniversitynetwork.com</a:t>
-            </a:r>
-            <a:r>
-              <a:rPr lang="en-US" sz="2000" dirty="0"/>
-              <a:t>, you can learn more about </a:t>
-            </a:r>
-            <a:r>
-              <a:rPr lang="en-US" sz="2000" spc="-300" dirty="0"/>
-              <a:t>S A </a:t>
-            </a:r>
-            <a:r>
-              <a:rPr lang="en-US" sz="2000" dirty="0"/>
-              <a:t>S </a:t>
-            </a:r>
-            <a:r>
-              <a:rPr lang="en-US" sz="2000" spc="-300" dirty="0"/>
-              <a:t>V </a:t>
-            </a:r>
-            <a:r>
-              <a:rPr lang="en-US" sz="2000" dirty="0"/>
-              <a:t>A, experiment with the tool </a:t>
-            </a:r>
-          </a:p>
-        </p:txBody>
-      </p:sp>
-      <p:sp>
-        <p:nvSpPr>
-          <p:cNvPr id="5" name="Content Placeholder 4"/>
-          <p:cNvSpPr>
-            <a:spLocks noGrp="1"/>
-          </p:cNvSpPr>
-          <p:nvPr>
-            <p:ph sz="quarter" idx="14"/>
-          </p:nvPr>
-        </p:nvSpPr>
-        <p:spPr>
-          <a:xfrm>
-            <a:off x="457200" y="1801368"/>
+            <a:off x="457200" y="1455462"/>
             <a:ext cx="8153400" cy="307777"/>
           </a:xfrm>
         </p:spPr>
@@ -20784,7 +20747,7 @@
           <p:nvPr/>
         </p:nvPicPr>
         <p:blipFill rotWithShape="1">
-          <a:blip r:embed="rId4">
+          <a:blip r:embed="rId3">
             <a:extLst>
               <a:ext uri="{28A0092B-C50C-407E-A947-70E740481C1C}">
                 <a14:useLocalDpi xmlns:a14="http://schemas.microsoft.com/office/drawing/2010/main" val="0"/>
@@ -20796,7 +20759,7 @@
         </p:blipFill>
         <p:spPr bwMode="auto">
           <a:xfrm>
-            <a:off x="2162175" y="2168526"/>
+            <a:off x="2163319" y="2001235"/>
             <a:ext cx="4817361" cy="3862953"/>
           </a:xfrm>
           <a:prstGeom prst="rect">
